--- a/Seconde/Chapitre9-LaMole/Activité/Mole.pptx
+++ b/Seconde/Chapitre9-LaMole/Activité/Mole.pptx
@@ -3394,6 +3394,100 @@
           </a:p>
         </p:txBody>
       </p:sp>
+      <p:pic>
+        <p:nvPicPr>
+          <p:cNvPr id="1026" name="Picture 2" descr="Kstr Kochstrasse GIF - Kstr Kochstrasse Beer GIFs">
+            <a:extLst>
+              <a:ext uri="{FF2B5EF4-FFF2-40B4-BE49-F238E27FC236}">
+                <a16:creationId xmlns:a16="http://schemas.microsoft.com/office/drawing/2014/main" id="{4656335B-EFA0-4E29-8D2D-22996C32C625}"/>
+              </a:ext>
+            </a:extLst>
+          </p:cNvPr>
+          <p:cNvPicPr>
+            <a:picLocks noChangeAspect="1" noChangeArrowheads="1" noCrop="1"/>
+          </p:cNvPicPr>
+          <p:nvPr/>
+        </p:nvPicPr>
+        <p:blipFill>
+          <a:blip r:embed="rId2">
+            <a:extLst>
+              <a:ext uri="{28A0092B-C50C-407E-A947-70E740481C1C}">
+                <a14:useLocalDpi xmlns:a14="http://schemas.microsoft.com/office/drawing/2010/main" val="0"/>
+              </a:ext>
+            </a:extLst>
+          </a:blip>
+          <a:srcRect/>
+          <a:stretch>
+            <a:fillRect/>
+          </a:stretch>
+        </p:blipFill>
+        <p:spPr bwMode="auto">
+          <a:xfrm>
+            <a:off x="3793894" y="3429000"/>
+            <a:ext cx="1419225" cy="1905000"/>
+          </a:xfrm>
+          <a:prstGeom prst="rect">
+            <a:avLst/>
+          </a:prstGeom>
+          <a:noFill/>
+          <a:extLst>
+            <a:ext uri="{909E8E84-426E-40DD-AFC4-6F175D3DCCD1}">
+              <a14:hiddenFill xmlns:a14="http://schemas.microsoft.com/office/drawing/2010/main">
+                <a:solidFill>
+                  <a:srgbClr val="FFFFFF"/>
+                </a:solidFill>
+              </a14:hiddenFill>
+            </a:ext>
+          </a:extLst>
+        </p:spPr>
+      </p:pic>
+      <p:pic>
+        <p:nvPicPr>
+          <p:cNvPr id="1028" name="Picture 4" descr="Buble Beaker Sticker - Buble Beaker Chemistry Stickers">
+            <a:extLst>
+              <a:ext uri="{FF2B5EF4-FFF2-40B4-BE49-F238E27FC236}">
+                <a16:creationId xmlns:a16="http://schemas.microsoft.com/office/drawing/2014/main" id="{D383B5EB-B287-48C6-8B1D-8D86ABA2A87F}"/>
+              </a:ext>
+            </a:extLst>
+          </p:cNvPr>
+          <p:cNvPicPr>
+            <a:picLocks noChangeAspect="1" noChangeArrowheads="1" noCrop="1"/>
+          </p:cNvPicPr>
+          <p:nvPr/>
+        </p:nvPicPr>
+        <p:blipFill>
+          <a:blip r:embed="rId3">
+            <a:extLst>
+              <a:ext uri="{28A0092B-C50C-407E-A947-70E740481C1C}">
+                <a14:useLocalDpi xmlns:a14="http://schemas.microsoft.com/office/drawing/2010/main" val="0"/>
+              </a:ext>
+            </a:extLst>
+          </a:blip>
+          <a:srcRect/>
+          <a:stretch>
+            <a:fillRect/>
+          </a:stretch>
+        </p:blipFill>
+        <p:spPr bwMode="auto">
+          <a:xfrm>
+            <a:off x="6824771" y="3429000"/>
+            <a:ext cx="1609725" cy="1905000"/>
+          </a:xfrm>
+          <a:prstGeom prst="rect">
+            <a:avLst/>
+          </a:prstGeom>
+          <a:noFill/>
+          <a:extLst>
+            <a:ext uri="{909E8E84-426E-40DD-AFC4-6F175D3DCCD1}">
+              <a14:hiddenFill xmlns:a14="http://schemas.microsoft.com/office/drawing/2010/main">
+                <a:solidFill>
+                  <a:srgbClr val="FFFFFF"/>
+                </a:solidFill>
+              </a14:hiddenFill>
+            </a:ext>
+          </a:extLst>
+        </p:spPr>
+      </p:pic>
     </p:spTree>
     <p:extLst>
       <p:ext uri="{BB962C8B-B14F-4D97-AF65-F5344CB8AC3E}">
@@ -7794,8 +7888,8 @@
           <a:chExt cx="0" cy="0"/>
         </a:xfrm>
       </p:grpSpPr>
-      <mc:AlternateContent xmlns:mc="http://schemas.openxmlformats.org/markup-compatibility/2006">
-        <mc:Choice xmlns:a14="http://schemas.microsoft.com/office/drawing/2010/main" Requires="a14">
+      <mc:AlternateContent xmlns:mc="http://schemas.openxmlformats.org/markup-compatibility/2006" xmlns:a14="http://schemas.microsoft.com/office/drawing/2010/main">
+        <mc:Choice Requires="a14">
           <p:sp>
             <p:nvSpPr>
               <p:cNvPr id="2" name="TextBox 1">
@@ -7941,7 +8035,7 @@
             </p:txBody>
           </p:sp>
         </mc:Choice>
-        <mc:Fallback>
+        <mc:Fallback xmlns="">
           <p:sp>
             <p:nvSpPr>
               <p:cNvPr id="2" name="TextBox 1">
@@ -9487,7 +9581,7 @@
           <a:p>
             <a:r>
               <a:rPr lang="fr-FR" sz="3000" b="1" dirty="0"/>
-              <a:t>- Combien y a-t-il d’atomes d’Hydrogène dans 1 g d’Hydrogène ?</a:t>
+              <a:t>- Combien y a-t-il d’atomes d’Hydrogène (H) dans 1 g d’Hydrogène ?</a:t>
             </a:r>
           </a:p>
         </p:txBody>
@@ -9577,8 +9671,8 @@
           </a:prstGeom>
         </p:spPr>
       </p:pic>
-      <mc:AlternateContent xmlns:mc="http://schemas.openxmlformats.org/markup-compatibility/2006">
-        <mc:Choice xmlns:a14="http://schemas.microsoft.com/office/drawing/2010/main" Requires="a14">
+      <mc:AlternateContent xmlns:mc="http://schemas.openxmlformats.org/markup-compatibility/2006" xmlns:a14="http://schemas.microsoft.com/office/drawing/2010/main">
+        <mc:Choice Requires="a14">
           <p:sp>
             <p:nvSpPr>
               <p:cNvPr id="59" name="TextBox 58">
@@ -9632,7 +9726,7 @@
             </p:txBody>
           </p:sp>
         </mc:Choice>
-        <mc:Fallback>
+        <mc:Fallback xmlns="">
           <p:sp>
             <p:nvSpPr>
               <p:cNvPr id="59" name="TextBox 58">
@@ -9677,8 +9771,8 @@
           </p:sp>
         </mc:Fallback>
       </mc:AlternateContent>
-      <mc:AlternateContent xmlns:mc="http://schemas.openxmlformats.org/markup-compatibility/2006">
-        <mc:Choice xmlns:a14="http://schemas.microsoft.com/office/drawing/2010/main" Requires="a14">
+      <mc:AlternateContent xmlns:mc="http://schemas.openxmlformats.org/markup-compatibility/2006" xmlns:a14="http://schemas.microsoft.com/office/drawing/2010/main">
+        <mc:Choice Requires="a14">
           <p:sp>
             <p:nvSpPr>
               <p:cNvPr id="60" name="TextBox 59">
@@ -9732,7 +9826,7 @@
             </p:txBody>
           </p:sp>
         </mc:Choice>
-        <mc:Fallback>
+        <mc:Fallback xmlns="">
           <p:sp>
             <p:nvSpPr>
               <p:cNvPr id="60" name="TextBox 59">
@@ -9777,8 +9871,8 @@
           </p:sp>
         </mc:Fallback>
       </mc:AlternateContent>
-      <mc:AlternateContent xmlns:mc="http://schemas.openxmlformats.org/markup-compatibility/2006">
-        <mc:Choice xmlns:a14="http://schemas.microsoft.com/office/drawing/2010/main" Requires="a14">
+      <mc:AlternateContent xmlns:mc="http://schemas.openxmlformats.org/markup-compatibility/2006" xmlns:a14="http://schemas.microsoft.com/office/drawing/2010/main">
+        <mc:Choice Requires="a14">
           <p:sp>
             <p:nvSpPr>
               <p:cNvPr id="61" name="TextBox 60">
@@ -9869,7 +9963,7 @@
             </p:txBody>
           </p:sp>
         </mc:Choice>
-        <mc:Fallback>
+        <mc:Fallback xmlns="">
           <p:sp>
             <p:nvSpPr>
               <p:cNvPr id="61" name="TextBox 60">
@@ -10419,7 +10513,7 @@
           <a:p>
             <a:r>
               <a:rPr lang="fr-FR" sz="3000" b="1" dirty="0"/>
-              <a:t>- Combien y a-t-il d’atomes d’Hydrogène dans 1 g d’Hydrogène ?</a:t>
+              <a:t>- Combien y a-t-il d’atomes d’Hydrogène (H) dans 1 g d’Hydrogène ?</a:t>
             </a:r>
           </a:p>
         </p:txBody>
@@ -10516,8 +10610,8 @@
           </a:extLst>
         </p:spPr>
       </p:pic>
-      <mc:AlternateContent xmlns:mc="http://schemas.openxmlformats.org/markup-compatibility/2006">
-        <mc:Choice xmlns:a14="http://schemas.microsoft.com/office/drawing/2010/main" Requires="a14">
+      <mc:AlternateContent xmlns:mc="http://schemas.openxmlformats.org/markup-compatibility/2006" xmlns:a14="http://schemas.microsoft.com/office/drawing/2010/main">
+        <mc:Choice Requires="a14">
           <p:sp>
             <p:nvSpPr>
               <p:cNvPr id="1537" name="Speech Bubble: Oval 1536">
@@ -10599,7 +10693,7 @@
             </p:txBody>
           </p:sp>
         </mc:Choice>
-        <mc:Fallback>
+        <mc:Fallback xmlns="">
           <p:sp>
             <p:nvSpPr>
               <p:cNvPr id="1537" name="Speech Bubble: Oval 1536">
@@ -10683,8 +10777,8 @@
           </a:prstGeom>
         </p:spPr>
       </p:pic>
-      <mc:AlternateContent xmlns:mc="http://schemas.openxmlformats.org/markup-compatibility/2006">
-        <mc:Choice xmlns:a14="http://schemas.microsoft.com/office/drawing/2010/main" Requires="a14">
+      <mc:AlternateContent xmlns:mc="http://schemas.openxmlformats.org/markup-compatibility/2006" xmlns:a14="http://schemas.microsoft.com/office/drawing/2010/main">
+        <mc:Choice Requires="a14">
           <p:sp>
             <p:nvSpPr>
               <p:cNvPr id="10" name="TextBox 9">
@@ -10819,7 +10913,7 @@
             </p:txBody>
           </p:sp>
         </mc:Choice>
-        <mc:Fallback>
+        <mc:Fallback xmlns="">
           <p:sp>
             <p:nvSpPr>
               <p:cNvPr id="10" name="TextBox 9">
@@ -11155,7 +11249,7 @@
           <a:p>
             <a:r>
               <a:rPr lang="fr-FR" sz="3000" b="1" dirty="0"/>
-              <a:t>- Combien y a-t-il d’atomes d’Hydrogène dans 1 g d’Hydrogène ?</a:t>
+              <a:t>- Combien y a-t-il d’atomes d’Hydrogène (H) dans 1 g d’Hydrogène ?</a:t>
             </a:r>
           </a:p>
         </p:txBody>
@@ -11252,8 +11346,8 @@
           </a:extLst>
         </p:spPr>
       </p:pic>
-      <mc:AlternateContent xmlns:mc="http://schemas.openxmlformats.org/markup-compatibility/2006">
-        <mc:Choice xmlns:a14="http://schemas.microsoft.com/office/drawing/2010/main" Requires="a14">
+      <mc:AlternateContent xmlns:mc="http://schemas.openxmlformats.org/markup-compatibility/2006" xmlns:a14="http://schemas.microsoft.com/office/drawing/2010/main">
+        <mc:Choice Requires="a14">
           <p:sp>
             <p:nvSpPr>
               <p:cNvPr id="1537" name="Speech Bubble: Oval 1536">
@@ -11335,7 +11429,7 @@
             </p:txBody>
           </p:sp>
         </mc:Choice>
-        <mc:Fallback>
+        <mc:Fallback xmlns="">
           <p:sp>
             <p:nvSpPr>
               <p:cNvPr id="1537" name="Speech Bubble: Oval 1536">
@@ -11470,8 +11564,8 @@
           </a:prstGeom>
         </p:spPr>
       </p:pic>
-      <mc:AlternateContent xmlns:mc="http://schemas.openxmlformats.org/markup-compatibility/2006">
-        <mc:Choice xmlns:a14="http://schemas.microsoft.com/office/drawing/2010/main" Requires="a14">
+      <mc:AlternateContent xmlns:mc="http://schemas.openxmlformats.org/markup-compatibility/2006" xmlns:a14="http://schemas.microsoft.com/office/drawing/2010/main">
+        <mc:Choice Requires="a14">
           <p:sp>
             <p:nvSpPr>
               <p:cNvPr id="12" name="TextBox 11">
@@ -11606,7 +11700,7 @@
             </p:txBody>
           </p:sp>
         </mc:Choice>
-        <mc:Fallback>
+        <mc:Fallback xmlns="">
           <p:sp>
             <p:nvSpPr>
               <p:cNvPr id="12" name="TextBox 11">
@@ -11720,6 +11814,9 @@
                     <p:cTn id="3" fill="hold">
                       <p:stCondLst>
                         <p:cond delay="indefinite"/>
+                        <p:cond evt="onBegin" delay="0">
+                          <p:tn val="2"/>
+                        </p:cond>
                       </p:stCondLst>
                       <p:childTnLst>
                         <p:par>
@@ -11729,7 +11826,7 @@
                             </p:stCondLst>
                             <p:childTnLst>
                               <p:par>
-                                <p:cTn id="5" presetID="10" presetClass="entr" presetSubtype="0" fill="hold" grpId="0" nodeType="clickEffect">
+                                <p:cTn id="5" presetID="10" presetClass="entr" presetSubtype="0" fill="hold" grpId="0" nodeType="withEffect">
                                   <p:stCondLst>
                                     <p:cond delay="0"/>
                                   </p:stCondLst>
@@ -11884,7 +11981,7 @@
           <a:p>
             <a:r>
               <a:rPr lang="fr-FR" sz="3000" b="1" dirty="0"/>
-              <a:t>- Combien y a-t-il d’atomes d’Hydrogène dans 1 g d’Hydrogène ?</a:t>
+              <a:t>- Combien y a-t-il d’atomes d’Hydrogène (H) dans 1 g d’Hydrogène ?</a:t>
             </a:r>
           </a:p>
         </p:txBody>
@@ -11981,8 +12078,8 @@
           </a:extLst>
         </p:spPr>
       </p:pic>
-      <mc:AlternateContent xmlns:mc="http://schemas.openxmlformats.org/markup-compatibility/2006">
-        <mc:Choice xmlns:a14="http://schemas.microsoft.com/office/drawing/2010/main" Requires="a14">
+      <mc:AlternateContent xmlns:mc="http://schemas.openxmlformats.org/markup-compatibility/2006" xmlns:a14="http://schemas.microsoft.com/office/drawing/2010/main">
+        <mc:Choice Requires="a14">
           <p:sp>
             <p:nvSpPr>
               <p:cNvPr id="1537" name="Speech Bubble: Oval 1536">
@@ -12080,7 +12177,7 @@
             </p:txBody>
           </p:sp>
         </mc:Choice>
-        <mc:Fallback>
+        <mc:Fallback xmlns="">
           <p:sp>
             <p:nvSpPr>
               <p:cNvPr id="1537" name="Speech Bubble: Oval 1536">
@@ -12164,8 +12261,8 @@
           </a:prstGeom>
         </p:spPr>
       </p:pic>
-      <mc:AlternateContent xmlns:mc="http://schemas.openxmlformats.org/markup-compatibility/2006">
-        <mc:Choice xmlns:a14="http://schemas.microsoft.com/office/drawing/2010/main" Requires="a14">
+      <mc:AlternateContent xmlns:mc="http://schemas.openxmlformats.org/markup-compatibility/2006" xmlns:a14="http://schemas.microsoft.com/office/drawing/2010/main">
+        <mc:Choice Requires="a14">
           <p:sp>
             <p:nvSpPr>
               <p:cNvPr id="12" name="TextBox 11">
@@ -12300,7 +12397,7 @@
             </p:txBody>
           </p:sp>
         </mc:Choice>
-        <mc:Fallback>
+        <mc:Fallback xmlns="">
           <p:sp>
             <p:nvSpPr>
               <p:cNvPr id="12" name="TextBox 11">
@@ -12494,7 +12591,7 @@
           <a:p>
             <a:r>
               <a:rPr lang="fr-FR" sz="3000" b="1" dirty="0"/>
-              <a:t>- Combien y a-t-il d’atomes d’Hydrogène dans 1 g d’Hydrogène ?</a:t>
+              <a:t>- Combien y a-t-il d’atomes d’Hydrogène (H) dans 1 g d’Hydrogène ?</a:t>
             </a:r>
           </a:p>
         </p:txBody>
@@ -12591,8 +12688,8 @@
           </a:extLst>
         </p:spPr>
       </p:pic>
-      <mc:AlternateContent xmlns:mc="http://schemas.openxmlformats.org/markup-compatibility/2006">
-        <mc:Choice xmlns:a14="http://schemas.microsoft.com/office/drawing/2010/main" Requires="a14">
+      <mc:AlternateContent xmlns:mc="http://schemas.openxmlformats.org/markup-compatibility/2006" xmlns:a14="http://schemas.microsoft.com/office/drawing/2010/main">
+        <mc:Choice Requires="a14">
           <p:sp>
             <p:nvSpPr>
               <p:cNvPr id="1537" name="Speech Bubble: Oval 1536">
@@ -12690,7 +12787,7 @@
             </p:txBody>
           </p:sp>
         </mc:Choice>
-        <mc:Fallback>
+        <mc:Fallback xmlns="">
           <p:sp>
             <p:nvSpPr>
               <p:cNvPr id="1537" name="Speech Bubble: Oval 1536">
@@ -12774,8 +12871,8 @@
           </a:prstGeom>
         </p:spPr>
       </p:pic>
-      <mc:AlternateContent xmlns:mc="http://schemas.openxmlformats.org/markup-compatibility/2006">
-        <mc:Choice xmlns:a14="http://schemas.microsoft.com/office/drawing/2010/main" Requires="a14">
+      <mc:AlternateContent xmlns:mc="http://schemas.openxmlformats.org/markup-compatibility/2006" xmlns:a14="http://schemas.microsoft.com/office/drawing/2010/main">
+        <mc:Choice Requires="a14">
           <p:sp>
             <p:nvSpPr>
               <p:cNvPr id="10" name="TextBox 9">
@@ -12914,7 +13011,7 @@
             </p:txBody>
           </p:sp>
         </mc:Choice>
-        <mc:Fallback>
+        <mc:Fallback xmlns="">
           <p:sp>
             <p:nvSpPr>
               <p:cNvPr id="10" name="TextBox 9">
@@ -12995,8 +13092,8 @@
           </a:prstGeom>
         </p:spPr>
       </p:pic>
-      <mc:AlternateContent xmlns:mc="http://schemas.openxmlformats.org/markup-compatibility/2006">
-        <mc:Choice xmlns:a14="http://schemas.microsoft.com/office/drawing/2010/main" Requires="a14">
+      <mc:AlternateContent xmlns:mc="http://schemas.openxmlformats.org/markup-compatibility/2006" xmlns:a14="http://schemas.microsoft.com/office/drawing/2010/main">
+        <mc:Choice Requires="a14">
           <p:sp>
             <p:nvSpPr>
               <p:cNvPr id="12" name="TextBox 11">
@@ -13135,7 +13232,7 @@
             </p:txBody>
           </p:sp>
         </mc:Choice>
-        <mc:Fallback>
+        <mc:Fallback xmlns="">
           <p:sp>
             <p:nvSpPr>
               <p:cNvPr id="12" name="TextBox 11">
@@ -13229,8 +13326,8 @@
           </a:p>
         </p:txBody>
       </p:sp>
-      <mc:AlternateContent xmlns:mc="http://schemas.openxmlformats.org/markup-compatibility/2006">
-        <mc:Choice xmlns:a14="http://schemas.microsoft.com/office/drawing/2010/main" Requires="a14">
+      <mc:AlternateContent xmlns:mc="http://schemas.openxmlformats.org/markup-compatibility/2006" xmlns:a14="http://schemas.microsoft.com/office/drawing/2010/main">
+        <mc:Choice Requires="a14">
           <p:sp>
             <p:nvSpPr>
               <p:cNvPr id="4" name="TextBox 3">
@@ -13259,6 +13356,7 @@
               </a:bodyPr>
               <a:lstStyle/>
               <a:p>
+                <a:pPr/>
                 <a14:m>
                   <m:oMathPara xmlns:m="http://schemas.openxmlformats.org/officeDocument/2006/math">
                     <m:oMathParaPr>
@@ -13322,7 +13420,7 @@
             </p:txBody>
           </p:sp>
         </mc:Choice>
-        <mc:Fallback>
+        <mc:Fallback xmlns="">
           <p:sp>
             <p:nvSpPr>
               <p:cNvPr id="4" name="TextBox 3">
@@ -13367,8 +13465,8 @@
           </p:sp>
         </mc:Fallback>
       </mc:AlternateContent>
-      <mc:AlternateContent xmlns:mc="http://schemas.openxmlformats.org/markup-compatibility/2006">
-        <mc:Choice xmlns:a14="http://schemas.microsoft.com/office/drawing/2010/main" Requires="a14">
+      <mc:AlternateContent xmlns:mc="http://schemas.openxmlformats.org/markup-compatibility/2006" xmlns:a14="http://schemas.microsoft.com/office/drawing/2010/main">
+        <mc:Choice Requires="a14">
           <p:sp>
             <p:nvSpPr>
               <p:cNvPr id="13" name="TextBox 12">
@@ -13397,6 +13495,7 @@
               </a:bodyPr>
               <a:lstStyle/>
               <a:p>
+                <a:pPr/>
                 <a14:m>
                   <m:oMathPara xmlns:m="http://schemas.openxmlformats.org/officeDocument/2006/math">
                     <m:oMathParaPr>
@@ -13449,7 +13548,7 @@
             </p:txBody>
           </p:sp>
         </mc:Choice>
-        <mc:Fallback>
+        <mc:Fallback xmlns="">
           <p:sp>
             <p:nvSpPr>
               <p:cNvPr id="13" name="TextBox 12">
@@ -13961,7 +14060,7 @@
           <a:p>
             <a:r>
               <a:rPr lang="fr-FR" sz="3000" b="1" dirty="0"/>
-              <a:t>- Combien y a-t-il d’atomes d’Hydrogène dans 1 g d’Hydrogène ?</a:t>
+              <a:t>- Combien y a-t-il d’atomes d’Hydrogène (H) dans 1 g d’Hydrogène ?</a:t>
             </a:r>
           </a:p>
         </p:txBody>
@@ -14058,8 +14157,8 @@
           </a:extLst>
         </p:spPr>
       </p:pic>
-      <mc:AlternateContent xmlns:mc="http://schemas.openxmlformats.org/markup-compatibility/2006">
-        <mc:Choice xmlns:a14="http://schemas.microsoft.com/office/drawing/2010/main" Requires="a14">
+      <mc:AlternateContent xmlns:mc="http://schemas.openxmlformats.org/markup-compatibility/2006" xmlns:a14="http://schemas.microsoft.com/office/drawing/2010/main">
+        <mc:Choice Requires="a14">
           <p:sp>
             <p:nvSpPr>
               <p:cNvPr id="1537" name="Speech Bubble: Oval 1536">
@@ -14175,7 +14274,7 @@
             </p:txBody>
           </p:sp>
         </mc:Choice>
-        <mc:Fallback>
+        <mc:Fallback xmlns="">
           <p:sp>
             <p:nvSpPr>
               <p:cNvPr id="1537" name="Speech Bubble: Oval 1536">
@@ -14354,8 +14453,8 @@
           </a:fontRef>
         </p:style>
       </p:cxnSp>
-      <mc:AlternateContent xmlns:mc="http://schemas.openxmlformats.org/markup-compatibility/2006">
-        <mc:Choice xmlns:a14="http://schemas.microsoft.com/office/drawing/2010/main" Requires="a14">
+      <mc:AlternateContent xmlns:mc="http://schemas.openxmlformats.org/markup-compatibility/2006" xmlns:a14="http://schemas.microsoft.com/office/drawing/2010/main">
+        <mc:Choice Requires="a14">
           <p:sp>
             <p:nvSpPr>
               <p:cNvPr id="18" name="TextBox 17">
@@ -14494,7 +14593,7 @@
             </p:txBody>
           </p:sp>
         </mc:Choice>
-        <mc:Fallback>
+        <mc:Fallback xmlns="">
           <p:sp>
             <p:nvSpPr>
               <p:cNvPr id="18" name="TextBox 17">
@@ -14539,8 +14638,8 @@
           </p:sp>
         </mc:Fallback>
       </mc:AlternateContent>
-      <mc:AlternateContent xmlns:mc="http://schemas.openxmlformats.org/markup-compatibility/2006">
-        <mc:Choice xmlns:a14="http://schemas.microsoft.com/office/drawing/2010/main" Requires="a14">
+      <mc:AlternateContent xmlns:mc="http://schemas.openxmlformats.org/markup-compatibility/2006" xmlns:a14="http://schemas.microsoft.com/office/drawing/2010/main">
+        <mc:Choice Requires="a14">
           <p:sp>
             <p:nvSpPr>
               <p:cNvPr id="10" name="TextBox 9">
@@ -14679,7 +14778,7 @@
             </p:txBody>
           </p:sp>
         </mc:Choice>
-        <mc:Fallback>
+        <mc:Fallback xmlns="">
           <p:sp>
             <p:nvSpPr>
               <p:cNvPr id="10" name="TextBox 9">
@@ -14796,6 +14895,131 @@
             <a:r>
               <a:rPr lang="fr-FR" dirty="0"/>
               <a:t>2</a:t>
+            </a:r>
+          </a:p>
+        </p:txBody>
+      </p:sp>
+      <p:pic>
+        <p:nvPicPr>
+          <p:cNvPr id="14" name="Picture 2" descr="Photo libre de droit de Savant Fou Organise Des Expériences Dans Le  Laboratoire De Chimie banque d'images et plus d'images libres de droit de  Adulte - iStock">
+            <a:extLst>
+              <a:ext uri="{FF2B5EF4-FFF2-40B4-BE49-F238E27FC236}">
+                <a16:creationId xmlns:a16="http://schemas.microsoft.com/office/drawing/2014/main" id="{5A8A1D1C-FFED-4986-92D2-C7F52F7E5E22}"/>
+              </a:ext>
+            </a:extLst>
+          </p:cNvPr>
+          <p:cNvPicPr>
+            <a:picLocks noChangeAspect="1" noChangeArrowheads="1"/>
+          </p:cNvPicPr>
+          <p:nvPr/>
+        </p:nvPicPr>
+        <p:blipFill>
+          <a:blip r:embed="rId8">
+            <a:extLst>
+              <a:ext uri="{28A0092B-C50C-407E-A947-70E740481C1C}">
+                <a14:useLocalDpi xmlns:a14="http://schemas.microsoft.com/office/drawing/2010/main" val="0"/>
+              </a:ext>
+            </a:extLst>
+          </a:blip>
+          <a:srcRect/>
+          <a:stretch>
+            <a:fillRect/>
+          </a:stretch>
+        </p:blipFill>
+        <p:spPr bwMode="auto">
+          <a:xfrm>
+            <a:off x="8060877" y="3534885"/>
+            <a:ext cx="2376016" cy="3562788"/>
+          </a:xfrm>
+          <a:prstGeom prst="rect">
+            <a:avLst/>
+          </a:prstGeom>
+          <a:noFill/>
+          <a:extLst>
+            <a:ext uri="{909E8E84-426E-40DD-AFC4-6F175D3DCCD1}">
+              <a14:hiddenFill xmlns:a14="http://schemas.microsoft.com/office/drawing/2010/main">
+                <a:solidFill>
+                  <a:srgbClr val="FFFFFF"/>
+                </a:solidFill>
+              </a14:hiddenFill>
+            </a:ext>
+          </a:extLst>
+        </p:spPr>
+      </p:pic>
+      <p:sp>
+        <p:nvSpPr>
+          <p:cNvPr id="17" name="Speech Bubble: Oval 16">
+            <a:extLst>
+              <a:ext uri="{FF2B5EF4-FFF2-40B4-BE49-F238E27FC236}">
+                <a16:creationId xmlns:a16="http://schemas.microsoft.com/office/drawing/2014/main" id="{0294E49F-5976-487D-9665-6686FD020458}"/>
+              </a:ext>
+            </a:extLst>
+          </p:cNvPr>
+          <p:cNvSpPr/>
+          <p:nvPr/>
+        </p:nvSpPr>
+        <p:spPr>
+          <a:xfrm>
+            <a:off x="5379982" y="2768651"/>
+            <a:ext cx="3360874" cy="997973"/>
+          </a:xfrm>
+          <a:prstGeom prst="wedgeEllipseCallout">
+            <a:avLst>
+              <a:gd name="adj1" fmla="val 56476"/>
+              <a:gd name="adj2" fmla="val 93283"/>
+            </a:avLst>
+          </a:prstGeom>
+          <a:solidFill>
+            <a:schemeClr val="accent1">
+              <a:lumMod val="40000"/>
+              <a:lumOff val="60000"/>
+            </a:schemeClr>
+          </a:solidFill>
+        </p:spPr>
+        <p:style>
+          <a:lnRef idx="2">
+            <a:schemeClr val="accent1">
+              <a:shade val="50000"/>
+            </a:schemeClr>
+          </a:lnRef>
+          <a:fillRef idx="1">
+            <a:schemeClr val="accent1"/>
+          </a:fillRef>
+          <a:effectRef idx="0">
+            <a:schemeClr val="accent1"/>
+          </a:effectRef>
+          <a:fontRef idx="minor">
+            <a:schemeClr val="lt1"/>
+          </a:fontRef>
+        </p:style>
+        <p:txBody>
+          <a:bodyPr lIns="0" tIns="0" rIns="0" bIns="0" rtlCol="0" anchor="ctr"/>
+          <a:lstStyle/>
+          <a:p>
+            <a:pPr algn="ctr"/>
+            <a:r>
+              <a:rPr lang="fr-FR" b="1" dirty="0">
+                <a:solidFill>
+                  <a:schemeClr val="tx1"/>
+                </a:solidFill>
+              </a:rPr>
+              <a:t>Une demi mole ! </a:t>
+            </a:r>
+            <a:r>
+              <a:rPr lang="fr-FR" b="1" dirty="0" err="1">
+                <a:solidFill>
+                  <a:schemeClr val="tx1"/>
+                </a:solidFill>
+              </a:rPr>
+              <a:t>AhAh</a:t>
+            </a:r>
+            <a:r>
+              <a:rPr lang="fr-FR" b="1" dirty="0">
+                <a:solidFill>
+                  <a:schemeClr val="tx1"/>
+                </a:solidFill>
+              </a:rPr>
+              <a:t> ! C’est drôle non ?</a:t>
             </a:r>
           </a:p>
         </p:txBody>
@@ -15120,6 +15344,78 @@
                       </p:childTnLst>
                     </p:cTn>
                   </p:par>
+                  <p:par>
+                    <p:cTn id="29" fill="hold">
+                      <p:stCondLst>
+                        <p:cond delay="indefinite"/>
+                      </p:stCondLst>
+                      <p:childTnLst>
+                        <p:par>
+                          <p:cTn id="30" fill="hold">
+                            <p:stCondLst>
+                              <p:cond delay="0"/>
+                            </p:stCondLst>
+                            <p:childTnLst>
+                              <p:par>
+                                <p:cTn id="31" presetID="1" presetClass="entr" presetSubtype="0" fill="hold" nodeType="clickEffect">
+                                  <p:stCondLst>
+                                    <p:cond delay="0"/>
+                                  </p:stCondLst>
+                                  <p:childTnLst>
+                                    <p:set>
+                                      <p:cBhvr>
+                                        <p:cTn id="32" dur="1" fill="hold">
+                                          <p:stCondLst>
+                                            <p:cond delay="0"/>
+                                          </p:stCondLst>
+                                        </p:cTn>
+                                        <p:tgtEl>
+                                          <p:spTgt spid="14"/>
+                                        </p:tgtEl>
+                                        <p:attrNameLst>
+                                          <p:attrName>style.visibility</p:attrName>
+                                        </p:attrNameLst>
+                                      </p:cBhvr>
+                                      <p:to>
+                                        <p:strVal val="visible"/>
+                                      </p:to>
+                                    </p:set>
+                                  </p:childTnLst>
+                                </p:cTn>
+                              </p:par>
+                              <p:par>
+                                <p:cTn id="33" presetID="1" presetClass="entr" presetSubtype="0" fill="hold" grpId="0" nodeType="withEffect">
+                                  <p:stCondLst>
+                                    <p:cond delay="0"/>
+                                  </p:stCondLst>
+                                  <p:childTnLst>
+                                    <p:set>
+                                      <p:cBhvr>
+                                        <p:cTn id="34" dur="1" fill="hold">
+                                          <p:stCondLst>
+                                            <p:cond delay="0"/>
+                                          </p:stCondLst>
+                                        </p:cTn>
+                                        <p:tgtEl>
+                                          <p:spTgt spid="17"/>
+                                        </p:tgtEl>
+                                        <p:attrNameLst>
+                                          <p:attrName>style.visibility</p:attrName>
+                                        </p:attrNameLst>
+                                      </p:cBhvr>
+                                      <p:to>
+                                        <p:strVal val="visible"/>
+                                      </p:to>
+                                    </p:set>
+                                  </p:childTnLst>
+                                </p:cTn>
+                              </p:par>
+                            </p:childTnLst>
+                          </p:cTn>
+                        </p:par>
+                      </p:childTnLst>
+                    </p:cTn>
+                  </p:par>
                 </p:childTnLst>
               </p:cTn>
               <p:prevCondLst>
@@ -15147,6 +15443,7 @@
       <p:bldP spid="10" grpId="0" animBg="1"/>
       <p:bldP spid="16" grpId="0"/>
       <p:bldP spid="16" grpId="1"/>
+      <p:bldP spid="17" grpId="0" animBg="1"/>
     </p:bldLst>
   </p:timing>
 </p:sld>

--- a/Seconde/Chapitre9-LaMole/Activité/Mole.pptx
+++ b/Seconde/Chapitre9-LaMole/Activité/Mole.pptx
@@ -272,7 +272,7 @@
           <a:p>
             <a:fld id="{CB18EA44-C1A6-40F1-98B4-C7C861305968}" type="datetimeFigureOut">
               <a:rPr lang="fr-FR" smtClean="0"/>
-              <a:t>14/03/2021</a:t>
+              <a:t>16/03/2021</a:t>
             </a:fld>
             <a:endParaRPr lang="fr-FR"/>
           </a:p>
@@ -472,7 +472,7 @@
           <a:p>
             <a:fld id="{CB18EA44-C1A6-40F1-98B4-C7C861305968}" type="datetimeFigureOut">
               <a:rPr lang="fr-FR" smtClean="0"/>
-              <a:t>14/03/2021</a:t>
+              <a:t>16/03/2021</a:t>
             </a:fld>
             <a:endParaRPr lang="fr-FR"/>
           </a:p>
@@ -682,7 +682,7 @@
           <a:p>
             <a:fld id="{CB18EA44-C1A6-40F1-98B4-C7C861305968}" type="datetimeFigureOut">
               <a:rPr lang="fr-FR" smtClean="0"/>
-              <a:t>14/03/2021</a:t>
+              <a:t>16/03/2021</a:t>
             </a:fld>
             <a:endParaRPr lang="fr-FR"/>
           </a:p>
@@ -882,7 +882,7 @@
           <a:p>
             <a:fld id="{CB18EA44-C1A6-40F1-98B4-C7C861305968}" type="datetimeFigureOut">
               <a:rPr lang="fr-FR" smtClean="0"/>
-              <a:t>14/03/2021</a:t>
+              <a:t>16/03/2021</a:t>
             </a:fld>
             <a:endParaRPr lang="fr-FR"/>
           </a:p>
@@ -1158,7 +1158,7 @@
           <a:p>
             <a:fld id="{CB18EA44-C1A6-40F1-98B4-C7C861305968}" type="datetimeFigureOut">
               <a:rPr lang="fr-FR" smtClean="0"/>
-              <a:t>14/03/2021</a:t>
+              <a:t>16/03/2021</a:t>
             </a:fld>
             <a:endParaRPr lang="fr-FR"/>
           </a:p>
@@ -1426,7 +1426,7 @@
           <a:p>
             <a:fld id="{CB18EA44-C1A6-40F1-98B4-C7C861305968}" type="datetimeFigureOut">
               <a:rPr lang="fr-FR" smtClean="0"/>
-              <a:t>14/03/2021</a:t>
+              <a:t>16/03/2021</a:t>
             </a:fld>
             <a:endParaRPr lang="fr-FR"/>
           </a:p>
@@ -1841,7 +1841,7 @@
           <a:p>
             <a:fld id="{CB18EA44-C1A6-40F1-98B4-C7C861305968}" type="datetimeFigureOut">
               <a:rPr lang="fr-FR" smtClean="0"/>
-              <a:t>14/03/2021</a:t>
+              <a:t>16/03/2021</a:t>
             </a:fld>
             <a:endParaRPr lang="fr-FR"/>
           </a:p>
@@ -1983,7 +1983,7 @@
           <a:p>
             <a:fld id="{CB18EA44-C1A6-40F1-98B4-C7C861305968}" type="datetimeFigureOut">
               <a:rPr lang="fr-FR" smtClean="0"/>
-              <a:t>14/03/2021</a:t>
+              <a:t>16/03/2021</a:t>
             </a:fld>
             <a:endParaRPr lang="fr-FR"/>
           </a:p>
@@ -2096,7 +2096,7 @@
           <a:p>
             <a:fld id="{CB18EA44-C1A6-40F1-98B4-C7C861305968}" type="datetimeFigureOut">
               <a:rPr lang="fr-FR" smtClean="0"/>
-              <a:t>14/03/2021</a:t>
+              <a:t>16/03/2021</a:t>
             </a:fld>
             <a:endParaRPr lang="fr-FR"/>
           </a:p>
@@ -2409,7 +2409,7 @@
           <a:p>
             <a:fld id="{CB18EA44-C1A6-40F1-98B4-C7C861305968}" type="datetimeFigureOut">
               <a:rPr lang="fr-FR" smtClean="0"/>
-              <a:t>14/03/2021</a:t>
+              <a:t>16/03/2021</a:t>
             </a:fld>
             <a:endParaRPr lang="fr-FR"/>
           </a:p>
@@ -2698,7 +2698,7 @@
           <a:p>
             <a:fld id="{CB18EA44-C1A6-40F1-98B4-C7C861305968}" type="datetimeFigureOut">
               <a:rPr lang="fr-FR" smtClean="0"/>
-              <a:t>14/03/2021</a:t>
+              <a:t>16/03/2021</a:t>
             </a:fld>
             <a:endParaRPr lang="fr-FR"/>
           </a:p>
@@ -2941,7 +2941,7 @@
           <a:p>
             <a:fld id="{CB18EA44-C1A6-40F1-98B4-C7C861305968}" type="datetimeFigureOut">
               <a:rPr lang="fr-FR" smtClean="0"/>
-              <a:t>14/03/2021</a:t>
+              <a:t>16/03/2021</a:t>
             </a:fld>
             <a:endParaRPr lang="fr-FR"/>
           </a:p>
